--- a/Report/orderxfoil.pptx
+++ b/Report/orderxfoil.pptx
@@ -261,7 +261,7 @@
           <a:p>
             <a:fld id="{008557C1-2D9A-406A-95D2-6A63B4EA59AE}" type="datetimeFigureOut">
               <a:rPr lang="en-GB" smtClean="0"/>
-              <a:t>10/12/2018</a:t>
+              <a:t>22/12/2018</a:t>
             </a:fld>
             <a:endParaRPr lang="en-GB"/>
           </a:p>
@@ -461,7 +461,7 @@
           <a:p>
             <a:fld id="{008557C1-2D9A-406A-95D2-6A63B4EA59AE}" type="datetimeFigureOut">
               <a:rPr lang="en-GB" smtClean="0"/>
-              <a:t>10/12/2018</a:t>
+              <a:t>22/12/2018</a:t>
             </a:fld>
             <a:endParaRPr lang="en-GB"/>
           </a:p>
@@ -671,7 +671,7 @@
           <a:p>
             <a:fld id="{008557C1-2D9A-406A-95D2-6A63B4EA59AE}" type="datetimeFigureOut">
               <a:rPr lang="en-GB" smtClean="0"/>
-              <a:t>10/12/2018</a:t>
+              <a:t>22/12/2018</a:t>
             </a:fld>
             <a:endParaRPr lang="en-GB"/>
           </a:p>
@@ -871,7 +871,7 @@
           <a:p>
             <a:fld id="{008557C1-2D9A-406A-95D2-6A63B4EA59AE}" type="datetimeFigureOut">
               <a:rPr lang="en-GB" smtClean="0"/>
-              <a:t>10/12/2018</a:t>
+              <a:t>22/12/2018</a:t>
             </a:fld>
             <a:endParaRPr lang="en-GB"/>
           </a:p>
@@ -1147,7 +1147,7 @@
           <a:p>
             <a:fld id="{008557C1-2D9A-406A-95D2-6A63B4EA59AE}" type="datetimeFigureOut">
               <a:rPr lang="en-GB" smtClean="0"/>
-              <a:t>10/12/2018</a:t>
+              <a:t>22/12/2018</a:t>
             </a:fld>
             <a:endParaRPr lang="en-GB"/>
           </a:p>
@@ -1415,7 +1415,7 @@
           <a:p>
             <a:fld id="{008557C1-2D9A-406A-95D2-6A63B4EA59AE}" type="datetimeFigureOut">
               <a:rPr lang="en-GB" smtClean="0"/>
-              <a:t>10/12/2018</a:t>
+              <a:t>22/12/2018</a:t>
             </a:fld>
             <a:endParaRPr lang="en-GB"/>
           </a:p>
@@ -1830,7 +1830,7 @@
           <a:p>
             <a:fld id="{008557C1-2D9A-406A-95D2-6A63B4EA59AE}" type="datetimeFigureOut">
               <a:rPr lang="en-GB" smtClean="0"/>
-              <a:t>10/12/2018</a:t>
+              <a:t>22/12/2018</a:t>
             </a:fld>
             <a:endParaRPr lang="en-GB"/>
           </a:p>
@@ -1972,7 +1972,7 @@
           <a:p>
             <a:fld id="{008557C1-2D9A-406A-95D2-6A63B4EA59AE}" type="datetimeFigureOut">
               <a:rPr lang="en-GB" smtClean="0"/>
-              <a:t>10/12/2018</a:t>
+              <a:t>22/12/2018</a:t>
             </a:fld>
             <a:endParaRPr lang="en-GB"/>
           </a:p>
@@ -2085,7 +2085,7 @@
           <a:p>
             <a:fld id="{008557C1-2D9A-406A-95D2-6A63B4EA59AE}" type="datetimeFigureOut">
               <a:rPr lang="en-GB" smtClean="0"/>
-              <a:t>10/12/2018</a:t>
+              <a:t>22/12/2018</a:t>
             </a:fld>
             <a:endParaRPr lang="en-GB"/>
           </a:p>
@@ -2398,7 +2398,7 @@
           <a:p>
             <a:fld id="{008557C1-2D9A-406A-95D2-6A63B4EA59AE}" type="datetimeFigureOut">
               <a:rPr lang="en-GB" smtClean="0"/>
-              <a:t>10/12/2018</a:t>
+              <a:t>22/12/2018</a:t>
             </a:fld>
             <a:endParaRPr lang="en-GB"/>
           </a:p>
@@ -2687,7 +2687,7 @@
           <a:p>
             <a:fld id="{008557C1-2D9A-406A-95D2-6A63B4EA59AE}" type="datetimeFigureOut">
               <a:rPr lang="en-GB" smtClean="0"/>
-              <a:t>10/12/2018</a:t>
+              <a:t>22/12/2018</a:t>
             </a:fld>
             <a:endParaRPr lang="en-GB"/>
           </a:p>
@@ -2930,7 +2930,7 @@
           <a:p>
             <a:fld id="{008557C1-2D9A-406A-95D2-6A63B4EA59AE}" type="datetimeFigureOut">
               <a:rPr lang="en-GB" smtClean="0"/>
-              <a:t>10/12/2018</a:t>
+              <a:t>22/12/2018</a:t>
             </a:fld>
             <a:endParaRPr lang="en-GB"/>
           </a:p>
@@ -3347,501 +3347,522 @@
           <a:chExt cx="0" cy="0"/>
         </a:xfrm>
       </p:grpSpPr>
-      <p:pic>
-        <p:nvPicPr>
-          <p:cNvPr id="5" name="Image 4">
-            <a:extLst>
-              <a:ext uri="{FF2B5EF4-FFF2-40B4-BE49-F238E27FC236}">
-                <a16:creationId xmlns:a16="http://schemas.microsoft.com/office/drawing/2014/main" id="{2D7FC7B2-DD7A-4407-BE0E-1D3BAD1C7802}"/>
-              </a:ext>
-            </a:extLst>
-          </p:cNvPr>
-          <p:cNvPicPr>
-            <a:picLocks noChangeAspect="1"/>
-          </p:cNvPicPr>
+      <p:grpSp>
+        <p:nvGrpSpPr>
+          <p:cNvPr id="4" name="Groupe 3">
+            <a:extLst>
+              <a:ext uri="{FF2B5EF4-FFF2-40B4-BE49-F238E27FC236}">
+                <a16:creationId xmlns:a16="http://schemas.microsoft.com/office/drawing/2014/main" id="{557ECE0C-8C33-4398-AF71-688661E3CFDC}"/>
+              </a:ext>
+            </a:extLst>
+          </p:cNvPr>
+          <p:cNvGrpSpPr/>
           <p:nvPr/>
-        </p:nvPicPr>
-        <p:blipFill>
-          <a:blip r:embed="rId2">
-            <a:extLst>
-              <a:ext uri="{28A0092B-C50C-407E-A947-70E740481C1C}">
-                <a14:useLocalDpi xmlns:a14="http://schemas.microsoft.com/office/drawing/2010/main" val="0"/>
-              </a:ext>
-            </a:extLst>
-          </a:blip>
-          <a:stretch>
-            <a:fillRect/>
-          </a:stretch>
-        </p:blipFill>
-        <p:spPr>
+        </p:nvGrpSpPr>
+        <p:grpSpPr>
           <a:xfrm>
-            <a:off x="3352175" y="1599782"/>
+            <a:off x="3428520" y="1345847"/>
             <a:ext cx="5487650" cy="3658433"/>
+            <a:chOff x="3428520" y="1345847"/>
+            <a:chExt cx="5487650" cy="3658433"/>
           </a:xfrm>
-          <a:prstGeom prst="rect">
-            <a:avLst/>
-          </a:prstGeom>
-        </p:spPr>
-      </p:pic>
-      <p:cxnSp>
-        <p:nvCxnSpPr>
-          <p:cNvPr id="9" name="Connecteur droit avec flèche 8">
-            <a:extLst>
-              <a:ext uri="{FF2B5EF4-FFF2-40B4-BE49-F238E27FC236}">
-                <a16:creationId xmlns:a16="http://schemas.microsoft.com/office/drawing/2014/main" id="{C4056BDE-84CD-4E21-8C06-EBE0EFF49C52}"/>
-              </a:ext>
-            </a:extLst>
-          </p:cNvPr>
-          <p:cNvCxnSpPr>
-            <a:cxnSpLocks/>
-          </p:cNvCxnSpPr>
-          <p:nvPr/>
-        </p:nvCxnSpPr>
-        <p:spPr>
-          <a:xfrm>
-            <a:off x="5233916" y="3855080"/>
-            <a:ext cx="1318512" cy="0"/>
-          </a:xfrm>
-          <a:prstGeom prst="straightConnector1">
-            <a:avLst/>
-          </a:prstGeom>
-          <a:ln w="57150">
-            <a:solidFill>
-              <a:srgbClr val="FF0000"/>
-            </a:solidFill>
-            <a:tailEnd type="triangle"/>
-          </a:ln>
-        </p:spPr>
-        <p:style>
-          <a:lnRef idx="3">
-            <a:schemeClr val="dk1"/>
-          </a:lnRef>
-          <a:fillRef idx="0">
-            <a:schemeClr val="dk1"/>
-          </a:fillRef>
-          <a:effectRef idx="2">
-            <a:schemeClr val="dk1"/>
-          </a:effectRef>
-          <a:fontRef idx="minor">
-            <a:schemeClr val="tx1"/>
-          </a:fontRef>
-        </p:style>
-      </p:cxnSp>
-      <p:cxnSp>
-        <p:nvCxnSpPr>
-          <p:cNvPr id="10" name="Connecteur droit avec flèche 9">
-            <a:extLst>
-              <a:ext uri="{FF2B5EF4-FFF2-40B4-BE49-F238E27FC236}">
-                <a16:creationId xmlns:a16="http://schemas.microsoft.com/office/drawing/2014/main" id="{81128FE8-4FBF-4033-B4D0-B0C512CAD8F3}"/>
-              </a:ext>
-            </a:extLst>
-          </p:cNvPr>
-          <p:cNvCxnSpPr>
-            <a:cxnSpLocks/>
-          </p:cNvCxnSpPr>
-          <p:nvPr/>
-        </p:nvCxnSpPr>
-        <p:spPr>
-          <a:xfrm flipH="1">
-            <a:off x="5233916" y="3080009"/>
-            <a:ext cx="1299225" cy="0"/>
-          </a:xfrm>
-          <a:prstGeom prst="straightConnector1">
-            <a:avLst/>
-          </a:prstGeom>
-          <a:ln w="57150">
-            <a:solidFill>
-              <a:srgbClr val="FF0000"/>
-            </a:solidFill>
-            <a:tailEnd type="triangle"/>
-          </a:ln>
-        </p:spPr>
-        <p:style>
-          <a:lnRef idx="3">
-            <a:schemeClr val="dk1"/>
-          </a:lnRef>
-          <a:fillRef idx="0">
-            <a:schemeClr val="dk1"/>
-          </a:fillRef>
-          <a:effectRef idx="2">
-            <a:schemeClr val="dk1"/>
-          </a:effectRef>
-          <a:fontRef idx="minor">
-            <a:schemeClr val="tx1"/>
-          </a:fontRef>
-        </p:style>
-      </p:cxnSp>
-      <p:sp>
-        <p:nvSpPr>
-          <p:cNvPr id="19" name="Ellipse 18">
-            <a:extLst>
-              <a:ext uri="{FF2B5EF4-FFF2-40B4-BE49-F238E27FC236}">
-                <a16:creationId xmlns:a16="http://schemas.microsoft.com/office/drawing/2014/main" id="{7F650CDE-D8D3-497B-8D97-DD1DF8EEBB4B}"/>
-              </a:ext>
-            </a:extLst>
-          </p:cNvPr>
-          <p:cNvSpPr/>
-          <p:nvPr/>
-        </p:nvSpPr>
-        <p:spPr>
-          <a:xfrm>
-            <a:off x="4109631" y="3071060"/>
-            <a:ext cx="327546" cy="348990"/>
-          </a:xfrm>
-          <a:prstGeom prst="ellipse">
-            <a:avLst/>
-          </a:prstGeom>
-          <a:ln>
-            <a:solidFill>
+        </p:grpSpPr>
+        <p:pic>
+          <p:nvPicPr>
+            <p:cNvPr id="3" name="Image 2">
+              <a:extLst>
+                <a:ext uri="{FF2B5EF4-FFF2-40B4-BE49-F238E27FC236}">
+                  <a16:creationId xmlns:a16="http://schemas.microsoft.com/office/drawing/2014/main" id="{147745A1-9657-4276-B211-995B06337279}"/>
+                </a:ext>
+              </a:extLst>
+            </p:cNvPr>
+            <p:cNvPicPr>
+              <a:picLocks noChangeAspect="1"/>
+            </p:cNvPicPr>
+            <p:nvPr/>
+          </p:nvPicPr>
+          <p:blipFill>
+            <a:blip r:embed="rId2">
+              <a:extLst>
+                <a:ext uri="{28A0092B-C50C-407E-A947-70E740481C1C}">
+                  <a14:useLocalDpi xmlns:a14="http://schemas.microsoft.com/office/drawing/2010/main" val="0"/>
+                </a:ext>
+              </a:extLst>
+            </a:blip>
+            <a:stretch>
+              <a:fillRect/>
+            </a:stretch>
+          </p:blipFill>
+          <p:spPr>
+            <a:xfrm>
+              <a:off x="3428520" y="1345847"/>
+              <a:ext cx="5487650" cy="3658433"/>
+            </a:xfrm>
+            <a:prstGeom prst="rect">
+              <a:avLst/>
+            </a:prstGeom>
+          </p:spPr>
+        </p:pic>
+        <p:cxnSp>
+          <p:nvCxnSpPr>
+            <p:cNvPr id="9" name="Connecteur droit avec flèche 8">
+              <a:extLst>
+                <a:ext uri="{FF2B5EF4-FFF2-40B4-BE49-F238E27FC236}">
+                  <a16:creationId xmlns:a16="http://schemas.microsoft.com/office/drawing/2014/main" id="{C4056BDE-84CD-4E21-8C06-EBE0EFF49C52}"/>
+                </a:ext>
+              </a:extLst>
+            </p:cNvPr>
+            <p:cNvCxnSpPr>
+              <a:cxnSpLocks/>
+            </p:cNvCxnSpPr>
+            <p:nvPr/>
+          </p:nvCxnSpPr>
+          <p:spPr>
+            <a:xfrm>
+              <a:off x="5483298" y="3510986"/>
+              <a:ext cx="1318512" cy="0"/>
+            </a:xfrm>
+            <a:prstGeom prst="straightConnector1">
+              <a:avLst/>
+            </a:prstGeom>
+            <a:ln w="57150">
+              <a:solidFill>
+                <a:srgbClr val="FF0000"/>
+              </a:solidFill>
+              <a:tailEnd type="triangle"/>
+            </a:ln>
+          </p:spPr>
+          <p:style>
+            <a:lnRef idx="3">
+              <a:schemeClr val="dk1"/>
+            </a:lnRef>
+            <a:fillRef idx="0">
+              <a:schemeClr val="dk1"/>
+            </a:fillRef>
+            <a:effectRef idx="2">
+              <a:schemeClr val="dk1"/>
+            </a:effectRef>
+            <a:fontRef idx="minor">
               <a:schemeClr val="tx1"/>
-            </a:solidFill>
-          </a:ln>
-        </p:spPr>
-        <p:style>
-          <a:lnRef idx="2">
-            <a:schemeClr val="accent6"/>
-          </a:lnRef>
-          <a:fillRef idx="1">
-            <a:schemeClr val="lt1"/>
-          </a:fillRef>
-          <a:effectRef idx="0">
-            <a:schemeClr val="accent6"/>
-          </a:effectRef>
-          <a:fontRef idx="minor">
-            <a:schemeClr val="dk1"/>
-          </a:fontRef>
-        </p:style>
-        <p:txBody>
-          <a:bodyPr rtlCol="0" anchor="ctr"/>
-          <a:lstStyle/>
-          <a:p>
-            <a:pPr algn="ctr"/>
-            <a:endParaRPr lang="en-GB"/>
-          </a:p>
-        </p:txBody>
-      </p:sp>
-      <p:sp>
-        <p:nvSpPr>
-          <p:cNvPr id="21" name="Ellipse 20">
-            <a:extLst>
-              <a:ext uri="{FF2B5EF4-FFF2-40B4-BE49-F238E27FC236}">
-                <a16:creationId xmlns:a16="http://schemas.microsoft.com/office/drawing/2014/main" id="{10B96588-6E16-4C2E-85FC-BC0006125060}"/>
-              </a:ext>
-            </a:extLst>
-          </p:cNvPr>
-          <p:cNvSpPr/>
-          <p:nvPr/>
-        </p:nvSpPr>
-        <p:spPr>
-          <a:xfrm>
-            <a:off x="7877958" y="2864702"/>
-            <a:ext cx="327546" cy="348990"/>
-          </a:xfrm>
-          <a:prstGeom prst="ellipse">
-            <a:avLst/>
-          </a:prstGeom>
-          <a:ln>
-            <a:solidFill>
+            </a:fontRef>
+          </p:style>
+        </p:cxnSp>
+        <p:cxnSp>
+          <p:nvCxnSpPr>
+            <p:cNvPr id="10" name="Connecteur droit avec flèche 9">
+              <a:extLst>
+                <a:ext uri="{FF2B5EF4-FFF2-40B4-BE49-F238E27FC236}">
+                  <a16:creationId xmlns:a16="http://schemas.microsoft.com/office/drawing/2014/main" id="{81128FE8-4FBF-4033-B4D0-B0C512CAD8F3}"/>
+                </a:ext>
+              </a:extLst>
+            </p:cNvPr>
+            <p:cNvCxnSpPr>
+              <a:cxnSpLocks/>
+            </p:cNvCxnSpPr>
+            <p:nvPr/>
+          </p:nvCxnSpPr>
+          <p:spPr>
+            <a:xfrm flipH="1">
+              <a:off x="5411254" y="2832358"/>
+              <a:ext cx="1299225" cy="0"/>
+            </a:xfrm>
+            <a:prstGeom prst="straightConnector1">
+              <a:avLst/>
+            </a:prstGeom>
+            <a:ln w="57150">
+              <a:solidFill>
+                <a:srgbClr val="FF0000"/>
+              </a:solidFill>
+              <a:tailEnd type="triangle"/>
+            </a:ln>
+          </p:spPr>
+          <p:style>
+            <a:lnRef idx="3">
+              <a:schemeClr val="dk1"/>
+            </a:lnRef>
+            <a:fillRef idx="0">
+              <a:schemeClr val="dk1"/>
+            </a:fillRef>
+            <a:effectRef idx="2">
+              <a:schemeClr val="dk1"/>
+            </a:effectRef>
+            <a:fontRef idx="minor">
               <a:schemeClr val="tx1"/>
-            </a:solidFill>
-          </a:ln>
-        </p:spPr>
-        <p:style>
-          <a:lnRef idx="2">
-            <a:schemeClr val="accent6"/>
-          </a:lnRef>
-          <a:fillRef idx="1">
-            <a:schemeClr val="lt1"/>
-          </a:fillRef>
-          <a:effectRef idx="0">
-            <a:schemeClr val="accent6"/>
-          </a:effectRef>
-          <a:fontRef idx="minor">
-            <a:schemeClr val="dk1"/>
-          </a:fontRef>
-        </p:style>
-        <p:txBody>
-          <a:bodyPr rtlCol="0" anchor="ctr"/>
-          <a:lstStyle/>
-          <a:p>
-            <a:pPr algn="ctr"/>
-            <a:endParaRPr lang="en-GB"/>
-          </a:p>
-        </p:txBody>
-      </p:sp>
-      <p:sp>
-        <p:nvSpPr>
-          <p:cNvPr id="11" name="Ellipse 10">
-            <a:extLst>
-              <a:ext uri="{FF2B5EF4-FFF2-40B4-BE49-F238E27FC236}">
-                <a16:creationId xmlns:a16="http://schemas.microsoft.com/office/drawing/2014/main" id="{DDDBACD1-2507-4565-B1F5-0D6259B1F20E}"/>
-              </a:ext>
-            </a:extLst>
-          </p:cNvPr>
-          <p:cNvSpPr/>
-          <p:nvPr/>
-        </p:nvSpPr>
-        <p:spPr>
-          <a:xfrm>
-            <a:off x="7877958" y="3336491"/>
-            <a:ext cx="327546" cy="348990"/>
-          </a:xfrm>
-          <a:prstGeom prst="ellipse">
-            <a:avLst/>
-          </a:prstGeom>
-          <a:ln>
-            <a:solidFill>
+            </a:fontRef>
+          </p:style>
+        </p:cxnSp>
+        <p:sp>
+          <p:nvSpPr>
+            <p:cNvPr id="19" name="Ellipse 18">
+              <a:extLst>
+                <a:ext uri="{FF2B5EF4-FFF2-40B4-BE49-F238E27FC236}">
+                  <a16:creationId xmlns:a16="http://schemas.microsoft.com/office/drawing/2014/main" id="{7F650CDE-D8D3-497B-8D97-DD1DF8EEBB4B}"/>
+                </a:ext>
+              </a:extLst>
+            </p:cNvPr>
+            <p:cNvSpPr/>
+            <p:nvPr/>
+          </p:nvSpPr>
+          <p:spPr>
+            <a:xfrm>
+              <a:off x="4079604" y="3127487"/>
+              <a:ext cx="327546" cy="348990"/>
+            </a:xfrm>
+            <a:prstGeom prst="ellipse">
+              <a:avLst/>
+            </a:prstGeom>
+            <a:ln>
+              <a:solidFill>
+                <a:schemeClr val="tx1"/>
+              </a:solidFill>
+            </a:ln>
+          </p:spPr>
+          <p:style>
+            <a:lnRef idx="2">
+              <a:schemeClr val="accent6"/>
+            </a:lnRef>
+            <a:fillRef idx="1">
+              <a:schemeClr val="lt1"/>
+            </a:fillRef>
+            <a:effectRef idx="0">
+              <a:schemeClr val="accent6"/>
+            </a:effectRef>
+            <a:fontRef idx="minor">
+              <a:schemeClr val="dk1"/>
+            </a:fontRef>
+          </p:style>
+          <p:txBody>
+            <a:bodyPr rtlCol="0" anchor="ctr"/>
+            <a:lstStyle/>
+            <a:p>
+              <a:pPr algn="ctr"/>
+              <a:endParaRPr lang="en-GB"/>
+            </a:p>
+          </p:txBody>
+        </p:sp>
+        <p:sp>
+          <p:nvSpPr>
+            <p:cNvPr id="21" name="Ellipse 20">
+              <a:extLst>
+                <a:ext uri="{FF2B5EF4-FFF2-40B4-BE49-F238E27FC236}">
+                  <a16:creationId xmlns:a16="http://schemas.microsoft.com/office/drawing/2014/main" id="{10B96588-6E16-4C2E-85FC-BC0006125060}"/>
+                </a:ext>
+              </a:extLst>
+            </p:cNvPr>
+            <p:cNvSpPr/>
+            <p:nvPr/>
+          </p:nvSpPr>
+          <p:spPr>
+            <a:xfrm>
+              <a:off x="7877958" y="2864702"/>
+              <a:ext cx="327546" cy="348990"/>
+            </a:xfrm>
+            <a:prstGeom prst="ellipse">
+              <a:avLst/>
+            </a:prstGeom>
+            <a:ln>
+              <a:solidFill>
+                <a:schemeClr val="tx1"/>
+              </a:solidFill>
+            </a:ln>
+          </p:spPr>
+          <p:style>
+            <a:lnRef idx="2">
+              <a:schemeClr val="accent6"/>
+            </a:lnRef>
+            <a:fillRef idx="1">
+              <a:schemeClr val="lt1"/>
+            </a:fillRef>
+            <a:effectRef idx="0">
+              <a:schemeClr val="accent6"/>
+            </a:effectRef>
+            <a:fontRef idx="minor">
+              <a:schemeClr val="dk1"/>
+            </a:fontRef>
+          </p:style>
+          <p:txBody>
+            <a:bodyPr rtlCol="0" anchor="ctr"/>
+            <a:lstStyle/>
+            <a:p>
+              <a:pPr algn="ctr"/>
+              <a:endParaRPr lang="en-GB"/>
+            </a:p>
+          </p:txBody>
+        </p:sp>
+        <p:sp>
+          <p:nvSpPr>
+            <p:cNvPr id="11" name="Ellipse 10">
+              <a:extLst>
+                <a:ext uri="{FF2B5EF4-FFF2-40B4-BE49-F238E27FC236}">
+                  <a16:creationId xmlns:a16="http://schemas.microsoft.com/office/drawing/2014/main" id="{DDDBACD1-2507-4565-B1F5-0D6259B1F20E}"/>
+                </a:ext>
+              </a:extLst>
+            </p:cNvPr>
+            <p:cNvSpPr/>
+            <p:nvPr/>
+          </p:nvSpPr>
+          <p:spPr>
+            <a:xfrm>
+              <a:off x="7877958" y="3336491"/>
+              <a:ext cx="327546" cy="348990"/>
+            </a:xfrm>
+            <a:prstGeom prst="ellipse">
+              <a:avLst/>
+            </a:prstGeom>
+            <a:ln>
+              <a:solidFill>
+                <a:schemeClr val="tx1"/>
+              </a:solidFill>
+            </a:ln>
+          </p:spPr>
+          <p:style>
+            <a:lnRef idx="2">
+              <a:schemeClr val="accent6"/>
+            </a:lnRef>
+            <a:fillRef idx="1">
+              <a:schemeClr val="lt1"/>
+            </a:fillRef>
+            <a:effectRef idx="0">
+              <a:schemeClr val="accent6"/>
+            </a:effectRef>
+            <a:fontRef idx="minor">
+              <a:schemeClr val="dk1"/>
+            </a:fontRef>
+          </p:style>
+          <p:txBody>
+            <a:bodyPr rtlCol="0" anchor="ctr"/>
+            <a:lstStyle/>
+            <a:p>
+              <a:pPr algn="ctr"/>
+              <a:endParaRPr lang="en-GB"/>
+            </a:p>
+          </p:txBody>
+        </p:sp>
+        <p:sp>
+          <p:nvSpPr>
+            <p:cNvPr id="17" name="ZoneTexte 16">
+              <a:extLst>
+                <a:ext uri="{FF2B5EF4-FFF2-40B4-BE49-F238E27FC236}">
+                  <a16:creationId xmlns:a16="http://schemas.microsoft.com/office/drawing/2014/main" id="{3E78092A-EAAB-4768-897A-2E8CE7268599}"/>
+                </a:ext>
+              </a:extLst>
+            </p:cNvPr>
+            <p:cNvSpPr txBox="1"/>
+            <p:nvPr/>
+          </p:nvSpPr>
+          <p:spPr>
+            <a:xfrm>
+              <a:off x="7877958" y="2839142"/>
+              <a:ext cx="327546" cy="400110"/>
+            </a:xfrm>
+            <a:prstGeom prst="rect">
+              <a:avLst/>
+            </a:prstGeom>
+            <a:noFill/>
+          </p:spPr>
+          <p:txBody>
+            <a:bodyPr wrap="square" rtlCol="0">
+              <a:spAutoFit/>
+            </a:bodyPr>
+            <a:lstStyle/>
+            <a:p>
+              <a:r>
+                <a:rPr lang="en-GB" sz="2000" b="1" dirty="0"/>
+                <a:t>1</a:t>
+              </a:r>
+            </a:p>
+          </p:txBody>
+        </p:sp>
+        <p:sp>
+          <p:nvSpPr>
+            <p:cNvPr id="12" name="ZoneTexte 11">
+              <a:extLst>
+                <a:ext uri="{FF2B5EF4-FFF2-40B4-BE49-F238E27FC236}">
+                  <a16:creationId xmlns:a16="http://schemas.microsoft.com/office/drawing/2014/main" id="{5D9A0BA0-892F-41B1-B727-478D5B4B30F4}"/>
+                </a:ext>
+              </a:extLst>
+            </p:cNvPr>
+            <p:cNvSpPr txBox="1"/>
+            <p:nvPr/>
+          </p:nvSpPr>
+          <p:spPr>
+            <a:xfrm>
+              <a:off x="7877958" y="3310931"/>
+              <a:ext cx="327546" cy="400110"/>
+            </a:xfrm>
+            <a:prstGeom prst="rect">
+              <a:avLst/>
+            </a:prstGeom>
+            <a:noFill/>
+          </p:spPr>
+          <p:txBody>
+            <a:bodyPr wrap="square" rtlCol="0">
+              <a:spAutoFit/>
+            </a:bodyPr>
+            <a:lstStyle/>
+            <a:p>
+              <a:r>
+                <a:rPr lang="en-GB" sz="2000" b="1" dirty="0"/>
+                <a:t>3</a:t>
+              </a:r>
+            </a:p>
+          </p:txBody>
+        </p:sp>
+        <p:sp>
+          <p:nvSpPr>
+            <p:cNvPr id="13" name="ZoneTexte 12">
+              <a:extLst>
+                <a:ext uri="{FF2B5EF4-FFF2-40B4-BE49-F238E27FC236}">
+                  <a16:creationId xmlns:a16="http://schemas.microsoft.com/office/drawing/2014/main" id="{310AA1EC-C10B-49FC-86E2-7465055FE4E1}"/>
+                </a:ext>
+              </a:extLst>
+            </p:cNvPr>
+            <p:cNvSpPr txBox="1"/>
+            <p:nvPr/>
+          </p:nvSpPr>
+          <p:spPr>
+            <a:xfrm>
+              <a:off x="4079604" y="3110876"/>
+              <a:ext cx="327546" cy="400110"/>
+            </a:xfrm>
+            <a:prstGeom prst="rect">
+              <a:avLst/>
+            </a:prstGeom>
+            <a:noFill/>
+          </p:spPr>
+          <p:txBody>
+            <a:bodyPr wrap="square" rtlCol="0">
+              <a:spAutoFit/>
+            </a:bodyPr>
+            <a:lstStyle/>
+            <a:p>
+              <a:r>
+                <a:rPr lang="en-GB" sz="2000" b="1" dirty="0"/>
+                <a:t>2</a:t>
+              </a:r>
+            </a:p>
+          </p:txBody>
+        </p:sp>
+        <p:cxnSp>
+          <p:nvCxnSpPr>
+            <p:cNvPr id="6" name="Connecteur droit 5">
+              <a:extLst>
+                <a:ext uri="{FF2B5EF4-FFF2-40B4-BE49-F238E27FC236}">
+                  <a16:creationId xmlns:a16="http://schemas.microsoft.com/office/drawing/2014/main" id="{B5131BD2-50F7-42CB-8174-856410C964C8}"/>
+                </a:ext>
+              </a:extLst>
+            </p:cNvPr>
+            <p:cNvCxnSpPr>
+              <a:cxnSpLocks/>
+            </p:cNvCxnSpPr>
+            <p:nvPr/>
+          </p:nvCxnSpPr>
+          <p:spPr>
+            <a:xfrm>
+              <a:off x="4407150" y="3304249"/>
+              <a:ext cx="127462" cy="0"/>
+            </a:xfrm>
+            <a:prstGeom prst="line">
+              <a:avLst/>
+            </a:prstGeom>
+            <a:ln w="19050"/>
+          </p:spPr>
+          <p:style>
+            <a:lnRef idx="1">
+              <a:schemeClr val="dk1"/>
+            </a:lnRef>
+            <a:fillRef idx="0">
+              <a:schemeClr val="dk1"/>
+            </a:fillRef>
+            <a:effectRef idx="0">
+              <a:schemeClr val="dk1"/>
+            </a:effectRef>
+            <a:fontRef idx="minor">
               <a:schemeClr val="tx1"/>
-            </a:solidFill>
-          </a:ln>
-        </p:spPr>
-        <p:style>
-          <a:lnRef idx="2">
-            <a:schemeClr val="accent6"/>
-          </a:lnRef>
-          <a:fillRef idx="1">
-            <a:schemeClr val="lt1"/>
-          </a:fillRef>
-          <a:effectRef idx="0">
-            <a:schemeClr val="accent6"/>
-          </a:effectRef>
-          <a:fontRef idx="minor">
-            <a:schemeClr val="dk1"/>
-          </a:fontRef>
-        </p:style>
-        <p:txBody>
-          <a:bodyPr rtlCol="0" anchor="ctr"/>
-          <a:lstStyle/>
-          <a:p>
-            <a:pPr algn="ctr"/>
-            <a:endParaRPr lang="en-GB"/>
-          </a:p>
-        </p:txBody>
-      </p:sp>
-      <p:sp>
-        <p:nvSpPr>
-          <p:cNvPr id="17" name="ZoneTexte 16">
-            <a:extLst>
-              <a:ext uri="{FF2B5EF4-FFF2-40B4-BE49-F238E27FC236}">
-                <a16:creationId xmlns:a16="http://schemas.microsoft.com/office/drawing/2014/main" id="{3E78092A-EAAB-4768-897A-2E8CE7268599}"/>
-              </a:ext>
-            </a:extLst>
-          </p:cNvPr>
-          <p:cNvSpPr txBox="1"/>
-          <p:nvPr/>
-        </p:nvSpPr>
-        <p:spPr>
-          <a:xfrm>
-            <a:off x="7877958" y="2839142"/>
-            <a:ext cx="327546" cy="400110"/>
-          </a:xfrm>
-          <a:prstGeom prst="rect">
-            <a:avLst/>
-          </a:prstGeom>
-          <a:noFill/>
-        </p:spPr>
-        <p:txBody>
-          <a:bodyPr wrap="square" rtlCol="0">
-            <a:spAutoFit/>
-          </a:bodyPr>
-          <a:lstStyle/>
-          <a:p>
-            <a:r>
-              <a:rPr lang="en-GB" sz="2000" b="1" dirty="0"/>
-              <a:t>1</a:t>
-            </a:r>
-          </a:p>
-        </p:txBody>
-      </p:sp>
-      <p:sp>
-        <p:nvSpPr>
-          <p:cNvPr id="12" name="ZoneTexte 11">
-            <a:extLst>
-              <a:ext uri="{FF2B5EF4-FFF2-40B4-BE49-F238E27FC236}">
-                <a16:creationId xmlns:a16="http://schemas.microsoft.com/office/drawing/2014/main" id="{5D9A0BA0-892F-41B1-B727-478D5B4B30F4}"/>
-              </a:ext>
-            </a:extLst>
-          </p:cNvPr>
-          <p:cNvSpPr txBox="1"/>
-          <p:nvPr/>
-        </p:nvSpPr>
-        <p:spPr>
-          <a:xfrm>
-            <a:off x="7877958" y="3310931"/>
-            <a:ext cx="327546" cy="400110"/>
-          </a:xfrm>
-          <a:prstGeom prst="rect">
-            <a:avLst/>
-          </a:prstGeom>
-          <a:noFill/>
-        </p:spPr>
-        <p:txBody>
-          <a:bodyPr wrap="square" rtlCol="0">
-            <a:spAutoFit/>
-          </a:bodyPr>
-          <a:lstStyle/>
-          <a:p>
-            <a:r>
-              <a:rPr lang="en-GB" sz="2000" b="1" dirty="0"/>
-              <a:t>3</a:t>
-            </a:r>
-          </a:p>
-        </p:txBody>
-      </p:sp>
-      <p:sp>
-        <p:nvSpPr>
-          <p:cNvPr id="13" name="ZoneTexte 12">
-            <a:extLst>
-              <a:ext uri="{FF2B5EF4-FFF2-40B4-BE49-F238E27FC236}">
-                <a16:creationId xmlns:a16="http://schemas.microsoft.com/office/drawing/2014/main" id="{310AA1EC-C10B-49FC-86E2-7465055FE4E1}"/>
-              </a:ext>
-            </a:extLst>
-          </p:cNvPr>
-          <p:cNvSpPr txBox="1"/>
-          <p:nvPr/>
-        </p:nvSpPr>
-        <p:spPr>
-          <a:xfrm>
-            <a:off x="4109631" y="3054449"/>
-            <a:ext cx="327546" cy="400110"/>
-          </a:xfrm>
-          <a:prstGeom prst="rect">
-            <a:avLst/>
-          </a:prstGeom>
-          <a:noFill/>
-        </p:spPr>
-        <p:txBody>
-          <a:bodyPr wrap="square" rtlCol="0">
-            <a:spAutoFit/>
-          </a:bodyPr>
-          <a:lstStyle/>
-          <a:p>
-            <a:r>
-              <a:rPr lang="en-GB" sz="2000" b="1" dirty="0"/>
-              <a:t>2</a:t>
-            </a:r>
-          </a:p>
-        </p:txBody>
-      </p:sp>
-      <p:cxnSp>
-        <p:nvCxnSpPr>
-          <p:cNvPr id="6" name="Connecteur droit 5">
-            <a:extLst>
-              <a:ext uri="{FF2B5EF4-FFF2-40B4-BE49-F238E27FC236}">
-                <a16:creationId xmlns:a16="http://schemas.microsoft.com/office/drawing/2014/main" id="{B5131BD2-50F7-42CB-8174-856410C964C8}"/>
-              </a:ext>
-            </a:extLst>
-          </p:cNvPr>
-          <p:cNvCxnSpPr>
-            <a:cxnSpLocks/>
-          </p:cNvCxnSpPr>
-          <p:nvPr/>
-        </p:nvCxnSpPr>
-        <p:spPr>
-          <a:xfrm>
-            <a:off x="4437177" y="3247822"/>
-            <a:ext cx="127462" cy="0"/>
-          </a:xfrm>
-          <a:prstGeom prst="line">
-            <a:avLst/>
-          </a:prstGeom>
-          <a:ln w="19050"/>
-        </p:spPr>
-        <p:style>
-          <a:lnRef idx="1">
-            <a:schemeClr val="dk1"/>
-          </a:lnRef>
-          <a:fillRef idx="0">
-            <a:schemeClr val="dk1"/>
-          </a:fillRef>
-          <a:effectRef idx="0">
-            <a:schemeClr val="dk1"/>
-          </a:effectRef>
-          <a:fontRef idx="minor">
-            <a:schemeClr val="tx1"/>
-          </a:fontRef>
-        </p:style>
-      </p:cxnSp>
-      <p:cxnSp>
-        <p:nvCxnSpPr>
-          <p:cNvPr id="20" name="Connecteur droit 19">
-            <a:extLst>
-              <a:ext uri="{FF2B5EF4-FFF2-40B4-BE49-F238E27FC236}">
-                <a16:creationId xmlns:a16="http://schemas.microsoft.com/office/drawing/2014/main" id="{83468A52-1BCE-407F-A2D8-C7B1555E2EDC}"/>
-              </a:ext>
-            </a:extLst>
-          </p:cNvPr>
-          <p:cNvCxnSpPr>
-            <a:cxnSpLocks/>
-            <a:endCxn id="12" idx="1"/>
-          </p:cNvCxnSpPr>
-          <p:nvPr/>
-        </p:nvCxnSpPr>
-        <p:spPr>
-          <a:xfrm>
-            <a:off x="7808422" y="3247822"/>
-            <a:ext cx="69536" cy="263164"/>
-          </a:xfrm>
-          <a:prstGeom prst="line">
-            <a:avLst/>
-          </a:prstGeom>
-          <a:ln w="19050"/>
-        </p:spPr>
-        <p:style>
-          <a:lnRef idx="1">
-            <a:schemeClr val="dk1"/>
-          </a:lnRef>
-          <a:fillRef idx="0">
-            <a:schemeClr val="dk1"/>
-          </a:fillRef>
-          <a:effectRef idx="0">
-            <a:schemeClr val="dk1"/>
-          </a:effectRef>
-          <a:fontRef idx="minor">
-            <a:schemeClr val="tx1"/>
-          </a:fontRef>
-        </p:style>
-      </p:cxnSp>
-      <p:cxnSp>
-        <p:nvCxnSpPr>
-          <p:cNvPr id="22" name="Connecteur droit 21">
-            <a:extLst>
-              <a:ext uri="{FF2B5EF4-FFF2-40B4-BE49-F238E27FC236}">
-                <a16:creationId xmlns:a16="http://schemas.microsoft.com/office/drawing/2014/main" id="{5CA5C578-F1A5-4821-A4CC-54FD7F58F1B5}"/>
-              </a:ext>
-            </a:extLst>
-          </p:cNvPr>
-          <p:cNvCxnSpPr>
-            <a:cxnSpLocks/>
-            <a:endCxn id="17" idx="1"/>
-          </p:cNvCxnSpPr>
-          <p:nvPr/>
-        </p:nvCxnSpPr>
-        <p:spPr>
-          <a:xfrm flipV="1">
-            <a:off x="7808422" y="3039197"/>
-            <a:ext cx="69536" cy="271734"/>
-          </a:xfrm>
-          <a:prstGeom prst="line">
-            <a:avLst/>
-          </a:prstGeom>
-          <a:ln w="19050"/>
-        </p:spPr>
-        <p:style>
-          <a:lnRef idx="1">
-            <a:schemeClr val="dk1"/>
-          </a:lnRef>
-          <a:fillRef idx="0">
-            <a:schemeClr val="dk1"/>
-          </a:fillRef>
-          <a:effectRef idx="0">
-            <a:schemeClr val="dk1"/>
-          </a:effectRef>
-          <a:fontRef idx="minor">
-            <a:schemeClr val="tx1"/>
-          </a:fontRef>
-        </p:style>
-      </p:cxnSp>
+            </a:fontRef>
+          </p:style>
+        </p:cxnSp>
+        <p:cxnSp>
+          <p:nvCxnSpPr>
+            <p:cNvPr id="20" name="Connecteur droit 19">
+              <a:extLst>
+                <a:ext uri="{FF2B5EF4-FFF2-40B4-BE49-F238E27FC236}">
+                  <a16:creationId xmlns:a16="http://schemas.microsoft.com/office/drawing/2014/main" id="{83468A52-1BCE-407F-A2D8-C7B1555E2EDC}"/>
+                </a:ext>
+              </a:extLst>
+            </p:cNvPr>
+            <p:cNvCxnSpPr>
+              <a:cxnSpLocks/>
+              <a:endCxn id="12" idx="1"/>
+            </p:cNvCxnSpPr>
+            <p:nvPr/>
+          </p:nvCxnSpPr>
+          <p:spPr>
+            <a:xfrm>
+              <a:off x="7808422" y="3247822"/>
+              <a:ext cx="69536" cy="263164"/>
+            </a:xfrm>
+            <a:prstGeom prst="line">
+              <a:avLst/>
+            </a:prstGeom>
+            <a:ln w="19050"/>
+          </p:spPr>
+          <p:style>
+            <a:lnRef idx="1">
+              <a:schemeClr val="dk1"/>
+            </a:lnRef>
+            <a:fillRef idx="0">
+              <a:schemeClr val="dk1"/>
+            </a:fillRef>
+            <a:effectRef idx="0">
+              <a:schemeClr val="dk1"/>
+            </a:effectRef>
+            <a:fontRef idx="minor">
+              <a:schemeClr val="tx1"/>
+            </a:fontRef>
+          </p:style>
+        </p:cxnSp>
+        <p:cxnSp>
+          <p:nvCxnSpPr>
+            <p:cNvPr id="22" name="Connecteur droit 21">
+              <a:extLst>
+                <a:ext uri="{FF2B5EF4-FFF2-40B4-BE49-F238E27FC236}">
+                  <a16:creationId xmlns:a16="http://schemas.microsoft.com/office/drawing/2014/main" id="{5CA5C578-F1A5-4821-A4CC-54FD7F58F1B5}"/>
+                </a:ext>
+              </a:extLst>
+            </p:cNvPr>
+            <p:cNvCxnSpPr>
+              <a:cxnSpLocks/>
+              <a:endCxn id="17" idx="1"/>
+            </p:cNvCxnSpPr>
+            <p:nvPr/>
+          </p:nvCxnSpPr>
+          <p:spPr>
+            <a:xfrm flipV="1">
+              <a:off x="7808422" y="3039197"/>
+              <a:ext cx="69536" cy="271734"/>
+            </a:xfrm>
+            <a:prstGeom prst="line">
+              <a:avLst/>
+            </a:prstGeom>
+            <a:ln w="19050"/>
+          </p:spPr>
+          <p:style>
+            <a:lnRef idx="1">
+              <a:schemeClr val="dk1"/>
+            </a:lnRef>
+            <a:fillRef idx="0">
+              <a:schemeClr val="dk1"/>
+            </a:fillRef>
+            <a:effectRef idx="0">
+              <a:schemeClr val="dk1"/>
+            </a:effectRef>
+            <a:fontRef idx="minor">
+              <a:schemeClr val="tx1"/>
+            </a:fontRef>
+          </p:style>
+        </p:cxnSp>
+      </p:grpSp>
     </p:spTree>
     <p:extLst>
       <p:ext uri="{BB962C8B-B14F-4D97-AF65-F5344CB8AC3E}">
